--- a/ppt 16-9/0698.求主怜恤.pptx
+++ b/ppt 16-9/0698.求主怜恤.pptx
@@ -5,7 +5,7 @@
     <p:sldMasterId id="2147483648" r:id="rId1"/>
   </p:sldMasterIdLst>
   <p:sldIdLst>
-    <p:sldId id="2513" r:id="rId2"/>
+    <p:sldId id="2515" r:id="rId2"/>
   </p:sldIdLst>
   <p:sldSz cx="12192000" cy="6858000"/>
   <p:notesSz cx="6858000" cy="9144000"/>
@@ -129,7 +129,7 @@
           <p:cNvPr id="2" name="标题 1">
             <a:extLst>
               <a:ext uri="{FF2B5EF4-FFF2-40B4-BE49-F238E27FC236}">
-                <a16:creationId xmlns:a16="http://schemas.microsoft.com/office/drawing/2014/main" id="{0D533EBF-420D-C7BF-985B-FE6638688004}"/>
+                <a16:creationId xmlns:a16="http://schemas.microsoft.com/office/drawing/2014/main" id="{437A6549-C7DB-3956-EE09-D44228846B91}"/>
               </a:ext>
             </a:extLst>
           </p:cNvPr>
@@ -166,7 +166,7 @@
           <p:cNvPr id="3" name="副标题 2">
             <a:extLst>
               <a:ext uri="{FF2B5EF4-FFF2-40B4-BE49-F238E27FC236}">
-                <a16:creationId xmlns:a16="http://schemas.microsoft.com/office/drawing/2014/main" id="{BEA987FD-4D29-A25C-3A58-CF957A126C9B}"/>
+                <a16:creationId xmlns:a16="http://schemas.microsoft.com/office/drawing/2014/main" id="{E06E5D87-C874-6AD5-7228-310708624063}"/>
               </a:ext>
             </a:extLst>
           </p:cNvPr>
@@ -236,7 +236,7 @@
           <p:cNvPr id="4" name="日期占位符 3">
             <a:extLst>
               <a:ext uri="{FF2B5EF4-FFF2-40B4-BE49-F238E27FC236}">
-                <a16:creationId xmlns:a16="http://schemas.microsoft.com/office/drawing/2014/main" id="{2B121729-AFCF-C380-7BD3-A1E768B1D5EC}"/>
+                <a16:creationId xmlns:a16="http://schemas.microsoft.com/office/drawing/2014/main" id="{1B06F19F-4103-411F-382A-D375985C72EC}"/>
               </a:ext>
             </a:extLst>
           </p:cNvPr>
@@ -252,7 +252,7 @@
           <a:bodyPr/>
           <a:lstStyle/>
           <a:p>
-            <a:fld id="{DA21D64B-21E5-4FFF-B51B-419D4A86D30A}" type="datetimeFigureOut">
+            <a:fld id="{F83BF8B1-B25C-418D-921F-96733BCF06E8}" type="datetimeFigureOut">
               <a:rPr lang="zh-CN" altLang="en-US" smtClean="0"/>
               <a:t>2024/3/10</a:t>
             </a:fld>
@@ -265,7 +265,7 @@
           <p:cNvPr id="5" name="页脚占位符 4">
             <a:extLst>
               <a:ext uri="{FF2B5EF4-FFF2-40B4-BE49-F238E27FC236}">
-                <a16:creationId xmlns:a16="http://schemas.microsoft.com/office/drawing/2014/main" id="{D91ADCC7-AA5F-A1B0-92AF-07E0984E0072}"/>
+                <a16:creationId xmlns:a16="http://schemas.microsoft.com/office/drawing/2014/main" id="{998F9403-71D5-406B-282F-DB8F6F28E945}"/>
               </a:ext>
             </a:extLst>
           </p:cNvPr>
@@ -290,7 +290,7 @@
           <p:cNvPr id="6" name="灯片编号占位符 5">
             <a:extLst>
               <a:ext uri="{FF2B5EF4-FFF2-40B4-BE49-F238E27FC236}">
-                <a16:creationId xmlns:a16="http://schemas.microsoft.com/office/drawing/2014/main" id="{E0883D08-FBB8-3263-FC4B-EB8FADD59CDB}"/>
+                <a16:creationId xmlns:a16="http://schemas.microsoft.com/office/drawing/2014/main" id="{720A2298-6ABB-6F3F-C8DA-649D88022EAA}"/>
               </a:ext>
             </a:extLst>
           </p:cNvPr>
@@ -306,7 +306,7 @@
           <a:bodyPr/>
           <a:lstStyle/>
           <a:p>
-            <a:fld id="{A54E094C-DD32-452A-98F0-E10EB2B0C766}" type="slidenum">
+            <a:fld id="{13A9B3B3-D1D9-4612-95C3-5B71159F125C}" type="slidenum">
               <a:rPr lang="zh-CN" altLang="en-US" smtClean="0"/>
               <a:t>‹#›</a:t>
             </a:fld>
@@ -317,7 +317,7 @@
     </p:spTree>
     <p:extLst>
       <p:ext uri="{BB962C8B-B14F-4D97-AF65-F5344CB8AC3E}">
-        <p14:creationId xmlns:p14="http://schemas.microsoft.com/office/powerpoint/2010/main" val="3316705484"/>
+        <p14:creationId xmlns:p14="http://schemas.microsoft.com/office/powerpoint/2010/main" val="2638869872"/>
       </p:ext>
     </p:extLst>
   </p:cSld>
@@ -349,7 +349,7 @@
           <p:cNvPr id="2" name="标题 1">
             <a:extLst>
               <a:ext uri="{FF2B5EF4-FFF2-40B4-BE49-F238E27FC236}">
-                <a16:creationId xmlns:a16="http://schemas.microsoft.com/office/drawing/2014/main" id="{644835AB-AC7A-F4A1-F57A-89D043B92C76}"/>
+                <a16:creationId xmlns:a16="http://schemas.microsoft.com/office/drawing/2014/main" id="{D59A734B-5D75-8103-915B-839058FFA787}"/>
               </a:ext>
             </a:extLst>
           </p:cNvPr>
@@ -377,7 +377,7 @@
           <p:cNvPr id="3" name="竖排文字占位符 2">
             <a:extLst>
               <a:ext uri="{FF2B5EF4-FFF2-40B4-BE49-F238E27FC236}">
-                <a16:creationId xmlns:a16="http://schemas.microsoft.com/office/drawing/2014/main" id="{6D81632B-1C52-F659-8610-6BD89ADCB470}"/>
+                <a16:creationId xmlns:a16="http://schemas.microsoft.com/office/drawing/2014/main" id="{B3373E7B-7D33-42E2-2E5D-ED9A9DF85726}"/>
               </a:ext>
             </a:extLst>
           </p:cNvPr>
@@ -434,7 +434,7 @@
           <p:cNvPr id="4" name="日期占位符 3">
             <a:extLst>
               <a:ext uri="{FF2B5EF4-FFF2-40B4-BE49-F238E27FC236}">
-                <a16:creationId xmlns:a16="http://schemas.microsoft.com/office/drawing/2014/main" id="{4634706A-D778-73B7-72E4-5433531F6B9F}"/>
+                <a16:creationId xmlns:a16="http://schemas.microsoft.com/office/drawing/2014/main" id="{665E9362-5028-0F60-205F-18C407CF2BFE}"/>
               </a:ext>
             </a:extLst>
           </p:cNvPr>
@@ -450,7 +450,7 @@
           <a:bodyPr/>
           <a:lstStyle/>
           <a:p>
-            <a:fld id="{DA21D64B-21E5-4FFF-B51B-419D4A86D30A}" type="datetimeFigureOut">
+            <a:fld id="{F83BF8B1-B25C-418D-921F-96733BCF06E8}" type="datetimeFigureOut">
               <a:rPr lang="zh-CN" altLang="en-US" smtClean="0"/>
               <a:t>2024/3/10</a:t>
             </a:fld>
@@ -463,7 +463,7 @@
           <p:cNvPr id="5" name="页脚占位符 4">
             <a:extLst>
               <a:ext uri="{FF2B5EF4-FFF2-40B4-BE49-F238E27FC236}">
-                <a16:creationId xmlns:a16="http://schemas.microsoft.com/office/drawing/2014/main" id="{314540B9-EC82-F86A-9286-8DA7016487A0}"/>
+                <a16:creationId xmlns:a16="http://schemas.microsoft.com/office/drawing/2014/main" id="{8128DE63-8B04-28E5-3EC4-69D72DF29845}"/>
               </a:ext>
             </a:extLst>
           </p:cNvPr>
@@ -488,7 +488,7 @@
           <p:cNvPr id="6" name="灯片编号占位符 5">
             <a:extLst>
               <a:ext uri="{FF2B5EF4-FFF2-40B4-BE49-F238E27FC236}">
-                <a16:creationId xmlns:a16="http://schemas.microsoft.com/office/drawing/2014/main" id="{F173F51E-218D-AEB8-D0D4-5DE0E7F66970}"/>
+                <a16:creationId xmlns:a16="http://schemas.microsoft.com/office/drawing/2014/main" id="{99675465-F477-1039-CF8F-CCBD12AC2166}"/>
               </a:ext>
             </a:extLst>
           </p:cNvPr>
@@ -504,7 +504,7 @@
           <a:bodyPr/>
           <a:lstStyle/>
           <a:p>
-            <a:fld id="{A54E094C-DD32-452A-98F0-E10EB2B0C766}" type="slidenum">
+            <a:fld id="{13A9B3B3-D1D9-4612-95C3-5B71159F125C}" type="slidenum">
               <a:rPr lang="zh-CN" altLang="en-US" smtClean="0"/>
               <a:t>‹#›</a:t>
             </a:fld>
@@ -515,7 +515,7 @@
     </p:spTree>
     <p:extLst>
       <p:ext uri="{BB962C8B-B14F-4D97-AF65-F5344CB8AC3E}">
-        <p14:creationId xmlns:p14="http://schemas.microsoft.com/office/powerpoint/2010/main" val="1187245758"/>
+        <p14:creationId xmlns:p14="http://schemas.microsoft.com/office/powerpoint/2010/main" val="3564214597"/>
       </p:ext>
     </p:extLst>
   </p:cSld>
@@ -547,7 +547,7 @@
           <p:cNvPr id="2" name="竖排标题 1">
             <a:extLst>
               <a:ext uri="{FF2B5EF4-FFF2-40B4-BE49-F238E27FC236}">
-                <a16:creationId xmlns:a16="http://schemas.microsoft.com/office/drawing/2014/main" id="{46728323-A611-D1EE-6DFD-CBB6730F363B}"/>
+                <a16:creationId xmlns:a16="http://schemas.microsoft.com/office/drawing/2014/main" id="{0C66781E-683E-A021-2D20-E50BCB486B1C}"/>
               </a:ext>
             </a:extLst>
           </p:cNvPr>
@@ -580,7 +580,7 @@
           <p:cNvPr id="3" name="竖排文字占位符 2">
             <a:extLst>
               <a:ext uri="{FF2B5EF4-FFF2-40B4-BE49-F238E27FC236}">
-                <a16:creationId xmlns:a16="http://schemas.microsoft.com/office/drawing/2014/main" id="{B1591861-8553-0F31-8353-0C838DA0CFB1}"/>
+                <a16:creationId xmlns:a16="http://schemas.microsoft.com/office/drawing/2014/main" id="{6E350E58-460E-6F0D-7713-3B433E547740}"/>
               </a:ext>
             </a:extLst>
           </p:cNvPr>
@@ -642,7 +642,7 @@
           <p:cNvPr id="4" name="日期占位符 3">
             <a:extLst>
               <a:ext uri="{FF2B5EF4-FFF2-40B4-BE49-F238E27FC236}">
-                <a16:creationId xmlns:a16="http://schemas.microsoft.com/office/drawing/2014/main" id="{E342B595-A55F-11C1-68A4-B26B22E1DC4D}"/>
+                <a16:creationId xmlns:a16="http://schemas.microsoft.com/office/drawing/2014/main" id="{22EEB7B3-CB22-2760-3D6C-596874C980E1}"/>
               </a:ext>
             </a:extLst>
           </p:cNvPr>
@@ -658,7 +658,7 @@
           <a:bodyPr/>
           <a:lstStyle/>
           <a:p>
-            <a:fld id="{DA21D64B-21E5-4FFF-B51B-419D4A86D30A}" type="datetimeFigureOut">
+            <a:fld id="{F83BF8B1-B25C-418D-921F-96733BCF06E8}" type="datetimeFigureOut">
               <a:rPr lang="zh-CN" altLang="en-US" smtClean="0"/>
               <a:t>2024/3/10</a:t>
             </a:fld>
@@ -671,7 +671,7 @@
           <p:cNvPr id="5" name="页脚占位符 4">
             <a:extLst>
               <a:ext uri="{FF2B5EF4-FFF2-40B4-BE49-F238E27FC236}">
-                <a16:creationId xmlns:a16="http://schemas.microsoft.com/office/drawing/2014/main" id="{53B21097-0A4A-381D-3F6D-DC1CAD878466}"/>
+                <a16:creationId xmlns:a16="http://schemas.microsoft.com/office/drawing/2014/main" id="{EF56101B-EE49-BF80-BFA5-24CCA8504514}"/>
               </a:ext>
             </a:extLst>
           </p:cNvPr>
@@ -696,7 +696,7 @@
           <p:cNvPr id="6" name="灯片编号占位符 5">
             <a:extLst>
               <a:ext uri="{FF2B5EF4-FFF2-40B4-BE49-F238E27FC236}">
-                <a16:creationId xmlns:a16="http://schemas.microsoft.com/office/drawing/2014/main" id="{9D4A9FB1-33A5-4BA9-84D8-02D296BB7B80}"/>
+                <a16:creationId xmlns:a16="http://schemas.microsoft.com/office/drawing/2014/main" id="{B92A83EF-619E-C114-0361-1C6AA41B6BD2}"/>
               </a:ext>
             </a:extLst>
           </p:cNvPr>
@@ -712,7 +712,7 @@
           <a:bodyPr/>
           <a:lstStyle/>
           <a:p>
-            <a:fld id="{A54E094C-DD32-452A-98F0-E10EB2B0C766}" type="slidenum">
+            <a:fld id="{13A9B3B3-D1D9-4612-95C3-5B71159F125C}" type="slidenum">
               <a:rPr lang="zh-CN" altLang="en-US" smtClean="0"/>
               <a:t>‹#›</a:t>
             </a:fld>
@@ -723,7 +723,7 @@
     </p:spTree>
     <p:extLst>
       <p:ext uri="{BB962C8B-B14F-4D97-AF65-F5344CB8AC3E}">
-        <p14:creationId xmlns:p14="http://schemas.microsoft.com/office/powerpoint/2010/main" val="680533436"/>
+        <p14:creationId xmlns:p14="http://schemas.microsoft.com/office/powerpoint/2010/main" val="765425015"/>
       </p:ext>
     </p:extLst>
   </p:cSld>
@@ -755,7 +755,7 @@
           <p:cNvPr id="2" name="标题 1">
             <a:extLst>
               <a:ext uri="{FF2B5EF4-FFF2-40B4-BE49-F238E27FC236}">
-                <a16:creationId xmlns:a16="http://schemas.microsoft.com/office/drawing/2014/main" id="{97EE288E-EF8F-0873-3B5B-328B74065196}"/>
+                <a16:creationId xmlns:a16="http://schemas.microsoft.com/office/drawing/2014/main" id="{D23FBAAF-EC2D-C0F8-36C6-BDAEBE931869}"/>
               </a:ext>
             </a:extLst>
           </p:cNvPr>
@@ -783,7 +783,7 @@
           <p:cNvPr id="3" name="内容占位符 2">
             <a:extLst>
               <a:ext uri="{FF2B5EF4-FFF2-40B4-BE49-F238E27FC236}">
-                <a16:creationId xmlns:a16="http://schemas.microsoft.com/office/drawing/2014/main" id="{515CECB6-EE96-FBDC-6C11-FDECABF305F7}"/>
+                <a16:creationId xmlns:a16="http://schemas.microsoft.com/office/drawing/2014/main" id="{3FFD77E1-8DFF-3BEB-6E6C-C2895647D255}"/>
               </a:ext>
             </a:extLst>
           </p:cNvPr>
@@ -840,7 +840,7 @@
           <p:cNvPr id="4" name="日期占位符 3">
             <a:extLst>
               <a:ext uri="{FF2B5EF4-FFF2-40B4-BE49-F238E27FC236}">
-                <a16:creationId xmlns:a16="http://schemas.microsoft.com/office/drawing/2014/main" id="{1DA42A8E-24B5-C8B1-EAEF-D32E103176D2}"/>
+                <a16:creationId xmlns:a16="http://schemas.microsoft.com/office/drawing/2014/main" id="{E803FD3F-D1F0-F0EA-0918-5D4A946A36C7}"/>
               </a:ext>
             </a:extLst>
           </p:cNvPr>
@@ -856,7 +856,7 @@
           <a:bodyPr/>
           <a:lstStyle/>
           <a:p>
-            <a:fld id="{DA21D64B-21E5-4FFF-B51B-419D4A86D30A}" type="datetimeFigureOut">
+            <a:fld id="{F83BF8B1-B25C-418D-921F-96733BCF06E8}" type="datetimeFigureOut">
               <a:rPr lang="zh-CN" altLang="en-US" smtClean="0"/>
               <a:t>2024/3/10</a:t>
             </a:fld>
@@ -869,7 +869,7 @@
           <p:cNvPr id="5" name="页脚占位符 4">
             <a:extLst>
               <a:ext uri="{FF2B5EF4-FFF2-40B4-BE49-F238E27FC236}">
-                <a16:creationId xmlns:a16="http://schemas.microsoft.com/office/drawing/2014/main" id="{C07A2256-61D4-7417-8A62-241F428677BE}"/>
+                <a16:creationId xmlns:a16="http://schemas.microsoft.com/office/drawing/2014/main" id="{3672859B-65AF-77A6-2941-4D08DE0C6B61}"/>
               </a:ext>
             </a:extLst>
           </p:cNvPr>
@@ -894,7 +894,7 @@
           <p:cNvPr id="6" name="灯片编号占位符 5">
             <a:extLst>
               <a:ext uri="{FF2B5EF4-FFF2-40B4-BE49-F238E27FC236}">
-                <a16:creationId xmlns:a16="http://schemas.microsoft.com/office/drawing/2014/main" id="{58AD4B81-3799-BDE8-CB74-4A41C9E8E798}"/>
+                <a16:creationId xmlns:a16="http://schemas.microsoft.com/office/drawing/2014/main" id="{A525B9FC-9D6A-E497-4950-CEF4FCF6DB36}"/>
               </a:ext>
             </a:extLst>
           </p:cNvPr>
@@ -910,7 +910,7 @@
           <a:bodyPr/>
           <a:lstStyle/>
           <a:p>
-            <a:fld id="{A54E094C-DD32-452A-98F0-E10EB2B0C766}" type="slidenum">
+            <a:fld id="{13A9B3B3-D1D9-4612-95C3-5B71159F125C}" type="slidenum">
               <a:rPr lang="zh-CN" altLang="en-US" smtClean="0"/>
               <a:t>‹#›</a:t>
             </a:fld>
@@ -921,7 +921,7 @@
     </p:spTree>
     <p:extLst>
       <p:ext uri="{BB962C8B-B14F-4D97-AF65-F5344CB8AC3E}">
-        <p14:creationId xmlns:p14="http://schemas.microsoft.com/office/powerpoint/2010/main" val="3638807606"/>
+        <p14:creationId xmlns:p14="http://schemas.microsoft.com/office/powerpoint/2010/main" val="20921006"/>
       </p:ext>
     </p:extLst>
   </p:cSld>
@@ -953,7 +953,7 @@
           <p:cNvPr id="2" name="标题 1">
             <a:extLst>
               <a:ext uri="{FF2B5EF4-FFF2-40B4-BE49-F238E27FC236}">
-                <a16:creationId xmlns:a16="http://schemas.microsoft.com/office/drawing/2014/main" id="{D785D4BB-0FFF-08F8-7F6D-21E6DAA3C76F}"/>
+                <a16:creationId xmlns:a16="http://schemas.microsoft.com/office/drawing/2014/main" id="{E3C02930-EB9A-5B30-64C6-663C5BD25D7E}"/>
               </a:ext>
             </a:extLst>
           </p:cNvPr>
@@ -990,7 +990,7 @@
           <p:cNvPr id="3" name="文本占位符 2">
             <a:extLst>
               <a:ext uri="{FF2B5EF4-FFF2-40B4-BE49-F238E27FC236}">
-                <a16:creationId xmlns:a16="http://schemas.microsoft.com/office/drawing/2014/main" id="{75EAFF5E-B278-EF68-C393-FEEA937AF31A}"/>
+                <a16:creationId xmlns:a16="http://schemas.microsoft.com/office/drawing/2014/main" id="{00AE0B88-D5EB-FAE2-9FBB-262A3732D6F2}"/>
               </a:ext>
             </a:extLst>
           </p:cNvPr>
@@ -1115,7 +1115,7 @@
           <p:cNvPr id="4" name="日期占位符 3">
             <a:extLst>
               <a:ext uri="{FF2B5EF4-FFF2-40B4-BE49-F238E27FC236}">
-                <a16:creationId xmlns:a16="http://schemas.microsoft.com/office/drawing/2014/main" id="{46238306-9C10-628F-2E4D-2E588E6F48AD}"/>
+                <a16:creationId xmlns:a16="http://schemas.microsoft.com/office/drawing/2014/main" id="{026B17B2-4EDB-035A-D66A-08598CBDB32D}"/>
               </a:ext>
             </a:extLst>
           </p:cNvPr>
@@ -1131,7 +1131,7 @@
           <a:bodyPr/>
           <a:lstStyle/>
           <a:p>
-            <a:fld id="{DA21D64B-21E5-4FFF-B51B-419D4A86D30A}" type="datetimeFigureOut">
+            <a:fld id="{F83BF8B1-B25C-418D-921F-96733BCF06E8}" type="datetimeFigureOut">
               <a:rPr lang="zh-CN" altLang="en-US" smtClean="0"/>
               <a:t>2024/3/10</a:t>
             </a:fld>
@@ -1144,7 +1144,7 @@
           <p:cNvPr id="5" name="页脚占位符 4">
             <a:extLst>
               <a:ext uri="{FF2B5EF4-FFF2-40B4-BE49-F238E27FC236}">
-                <a16:creationId xmlns:a16="http://schemas.microsoft.com/office/drawing/2014/main" id="{81231204-35F7-FAA6-95D7-D2284CF9500E}"/>
+                <a16:creationId xmlns:a16="http://schemas.microsoft.com/office/drawing/2014/main" id="{EB314ABB-77B5-8EAA-C92C-BD0472CBCAFA}"/>
               </a:ext>
             </a:extLst>
           </p:cNvPr>
@@ -1169,7 +1169,7 @@
           <p:cNvPr id="6" name="灯片编号占位符 5">
             <a:extLst>
               <a:ext uri="{FF2B5EF4-FFF2-40B4-BE49-F238E27FC236}">
-                <a16:creationId xmlns:a16="http://schemas.microsoft.com/office/drawing/2014/main" id="{3FE1D876-052E-CC56-3E8F-280656F6364E}"/>
+                <a16:creationId xmlns:a16="http://schemas.microsoft.com/office/drawing/2014/main" id="{7297C665-9DB7-C19D-B383-EFD2F3D71680}"/>
               </a:ext>
             </a:extLst>
           </p:cNvPr>
@@ -1185,7 +1185,7 @@
           <a:bodyPr/>
           <a:lstStyle/>
           <a:p>
-            <a:fld id="{A54E094C-DD32-452A-98F0-E10EB2B0C766}" type="slidenum">
+            <a:fld id="{13A9B3B3-D1D9-4612-95C3-5B71159F125C}" type="slidenum">
               <a:rPr lang="zh-CN" altLang="en-US" smtClean="0"/>
               <a:t>‹#›</a:t>
             </a:fld>
@@ -1196,7 +1196,7 @@
     </p:spTree>
     <p:extLst>
       <p:ext uri="{BB962C8B-B14F-4D97-AF65-F5344CB8AC3E}">
-        <p14:creationId xmlns:p14="http://schemas.microsoft.com/office/powerpoint/2010/main" val="1027910001"/>
+        <p14:creationId xmlns:p14="http://schemas.microsoft.com/office/powerpoint/2010/main" val="3264567384"/>
       </p:ext>
     </p:extLst>
   </p:cSld>
@@ -1228,7 +1228,7 @@
           <p:cNvPr id="2" name="标题 1">
             <a:extLst>
               <a:ext uri="{FF2B5EF4-FFF2-40B4-BE49-F238E27FC236}">
-                <a16:creationId xmlns:a16="http://schemas.microsoft.com/office/drawing/2014/main" id="{3BE72A84-A336-DA95-9D0E-256F99916F69}"/>
+                <a16:creationId xmlns:a16="http://schemas.microsoft.com/office/drawing/2014/main" id="{AA0F3513-014F-34D9-4142-30B7DD6864EB}"/>
               </a:ext>
             </a:extLst>
           </p:cNvPr>
@@ -1256,7 +1256,7 @@
           <p:cNvPr id="3" name="内容占位符 2">
             <a:extLst>
               <a:ext uri="{FF2B5EF4-FFF2-40B4-BE49-F238E27FC236}">
-                <a16:creationId xmlns:a16="http://schemas.microsoft.com/office/drawing/2014/main" id="{216D42DA-813E-0006-4449-76EBE8BFD1C5}"/>
+                <a16:creationId xmlns:a16="http://schemas.microsoft.com/office/drawing/2014/main" id="{DED17730-BF13-6589-AD1E-3E6D8E605706}"/>
               </a:ext>
             </a:extLst>
           </p:cNvPr>
@@ -1318,7 +1318,7 @@
           <p:cNvPr id="4" name="内容占位符 3">
             <a:extLst>
               <a:ext uri="{FF2B5EF4-FFF2-40B4-BE49-F238E27FC236}">
-                <a16:creationId xmlns:a16="http://schemas.microsoft.com/office/drawing/2014/main" id="{6FF245AA-C47F-46A7-2C49-46CDB1E12D08}"/>
+                <a16:creationId xmlns:a16="http://schemas.microsoft.com/office/drawing/2014/main" id="{96C720FF-8C69-5515-1C7B-999ADCC2A4A2}"/>
               </a:ext>
             </a:extLst>
           </p:cNvPr>
@@ -1380,7 +1380,7 @@
           <p:cNvPr id="5" name="日期占位符 4">
             <a:extLst>
               <a:ext uri="{FF2B5EF4-FFF2-40B4-BE49-F238E27FC236}">
-                <a16:creationId xmlns:a16="http://schemas.microsoft.com/office/drawing/2014/main" id="{31CD4378-1522-96FF-245A-9BDA9AD1F02F}"/>
+                <a16:creationId xmlns:a16="http://schemas.microsoft.com/office/drawing/2014/main" id="{D8DF0616-56EE-7895-7281-43494CEE9E1E}"/>
               </a:ext>
             </a:extLst>
           </p:cNvPr>
@@ -1396,7 +1396,7 @@
           <a:bodyPr/>
           <a:lstStyle/>
           <a:p>
-            <a:fld id="{DA21D64B-21E5-4FFF-B51B-419D4A86D30A}" type="datetimeFigureOut">
+            <a:fld id="{F83BF8B1-B25C-418D-921F-96733BCF06E8}" type="datetimeFigureOut">
               <a:rPr lang="zh-CN" altLang="en-US" smtClean="0"/>
               <a:t>2024/3/10</a:t>
             </a:fld>
@@ -1409,7 +1409,7 @@
           <p:cNvPr id="6" name="页脚占位符 5">
             <a:extLst>
               <a:ext uri="{FF2B5EF4-FFF2-40B4-BE49-F238E27FC236}">
-                <a16:creationId xmlns:a16="http://schemas.microsoft.com/office/drawing/2014/main" id="{08831317-CAA5-8C41-A0BA-C389FC69F415}"/>
+                <a16:creationId xmlns:a16="http://schemas.microsoft.com/office/drawing/2014/main" id="{A68ECC8C-41ED-108C-6BC8-9BF3F5D1103F}"/>
               </a:ext>
             </a:extLst>
           </p:cNvPr>
@@ -1434,7 +1434,7 @@
           <p:cNvPr id="7" name="灯片编号占位符 6">
             <a:extLst>
               <a:ext uri="{FF2B5EF4-FFF2-40B4-BE49-F238E27FC236}">
-                <a16:creationId xmlns:a16="http://schemas.microsoft.com/office/drawing/2014/main" id="{59F6B682-B524-64D8-B453-B91B2B0FDA2E}"/>
+                <a16:creationId xmlns:a16="http://schemas.microsoft.com/office/drawing/2014/main" id="{270F8FD8-1143-0E4F-3EC4-54EB273FA924}"/>
               </a:ext>
             </a:extLst>
           </p:cNvPr>
@@ -1450,7 +1450,7 @@
           <a:bodyPr/>
           <a:lstStyle/>
           <a:p>
-            <a:fld id="{A54E094C-DD32-452A-98F0-E10EB2B0C766}" type="slidenum">
+            <a:fld id="{13A9B3B3-D1D9-4612-95C3-5B71159F125C}" type="slidenum">
               <a:rPr lang="zh-CN" altLang="en-US" smtClean="0"/>
               <a:t>‹#›</a:t>
             </a:fld>
@@ -1461,7 +1461,7 @@
     </p:spTree>
     <p:extLst>
       <p:ext uri="{BB962C8B-B14F-4D97-AF65-F5344CB8AC3E}">
-        <p14:creationId xmlns:p14="http://schemas.microsoft.com/office/powerpoint/2010/main" val="2091834594"/>
+        <p14:creationId xmlns:p14="http://schemas.microsoft.com/office/powerpoint/2010/main" val="1402098358"/>
       </p:ext>
     </p:extLst>
   </p:cSld>
@@ -1493,7 +1493,7 @@
           <p:cNvPr id="2" name="标题 1">
             <a:extLst>
               <a:ext uri="{FF2B5EF4-FFF2-40B4-BE49-F238E27FC236}">
-                <a16:creationId xmlns:a16="http://schemas.microsoft.com/office/drawing/2014/main" id="{A80F3292-2283-B3EB-81B5-E4E8D6613A1F}"/>
+                <a16:creationId xmlns:a16="http://schemas.microsoft.com/office/drawing/2014/main" id="{B7C2AFEE-2C04-16FA-FEA4-BD2632C2EFA0}"/>
               </a:ext>
             </a:extLst>
           </p:cNvPr>
@@ -1526,7 +1526,7 @@
           <p:cNvPr id="3" name="文本占位符 2">
             <a:extLst>
               <a:ext uri="{FF2B5EF4-FFF2-40B4-BE49-F238E27FC236}">
-                <a16:creationId xmlns:a16="http://schemas.microsoft.com/office/drawing/2014/main" id="{68BDECCF-BACA-B8A9-0FC3-D2426823A8F2}"/>
+                <a16:creationId xmlns:a16="http://schemas.microsoft.com/office/drawing/2014/main" id="{BBD39283-DA08-559A-8E17-92912001A43D}"/>
               </a:ext>
             </a:extLst>
           </p:cNvPr>
@@ -1597,7 +1597,7 @@
           <p:cNvPr id="4" name="内容占位符 3">
             <a:extLst>
               <a:ext uri="{FF2B5EF4-FFF2-40B4-BE49-F238E27FC236}">
-                <a16:creationId xmlns:a16="http://schemas.microsoft.com/office/drawing/2014/main" id="{C7348F9B-7FC9-9031-D94E-81CB8756D5E0}"/>
+                <a16:creationId xmlns:a16="http://schemas.microsoft.com/office/drawing/2014/main" id="{C7B981EB-0FAB-D184-7557-A79943DA75C3}"/>
               </a:ext>
             </a:extLst>
           </p:cNvPr>
@@ -1659,7 +1659,7 @@
           <p:cNvPr id="5" name="文本占位符 4">
             <a:extLst>
               <a:ext uri="{FF2B5EF4-FFF2-40B4-BE49-F238E27FC236}">
-                <a16:creationId xmlns:a16="http://schemas.microsoft.com/office/drawing/2014/main" id="{BA5C4866-FB56-F4F1-E446-0139DA32057D}"/>
+                <a16:creationId xmlns:a16="http://schemas.microsoft.com/office/drawing/2014/main" id="{92C50EA1-5E7F-23DA-517F-8424F4187B8C}"/>
               </a:ext>
             </a:extLst>
           </p:cNvPr>
@@ -1730,7 +1730,7 @@
           <p:cNvPr id="6" name="内容占位符 5">
             <a:extLst>
               <a:ext uri="{FF2B5EF4-FFF2-40B4-BE49-F238E27FC236}">
-                <a16:creationId xmlns:a16="http://schemas.microsoft.com/office/drawing/2014/main" id="{F146B255-D93A-9547-3111-5AFE8BAEC17C}"/>
+                <a16:creationId xmlns:a16="http://schemas.microsoft.com/office/drawing/2014/main" id="{6ABDEF4E-7BDA-B606-7957-5865A514B424}"/>
               </a:ext>
             </a:extLst>
           </p:cNvPr>
@@ -1792,7 +1792,7 @@
           <p:cNvPr id="7" name="日期占位符 6">
             <a:extLst>
               <a:ext uri="{FF2B5EF4-FFF2-40B4-BE49-F238E27FC236}">
-                <a16:creationId xmlns:a16="http://schemas.microsoft.com/office/drawing/2014/main" id="{4DA4E5FA-66BE-B909-7EF8-4A0B3D2A1384}"/>
+                <a16:creationId xmlns:a16="http://schemas.microsoft.com/office/drawing/2014/main" id="{5A383895-35A2-C27A-746F-4FE6DC7973A5}"/>
               </a:ext>
             </a:extLst>
           </p:cNvPr>
@@ -1808,7 +1808,7 @@
           <a:bodyPr/>
           <a:lstStyle/>
           <a:p>
-            <a:fld id="{DA21D64B-21E5-4FFF-B51B-419D4A86D30A}" type="datetimeFigureOut">
+            <a:fld id="{F83BF8B1-B25C-418D-921F-96733BCF06E8}" type="datetimeFigureOut">
               <a:rPr lang="zh-CN" altLang="en-US" smtClean="0"/>
               <a:t>2024/3/10</a:t>
             </a:fld>
@@ -1821,7 +1821,7 @@
           <p:cNvPr id="8" name="页脚占位符 7">
             <a:extLst>
               <a:ext uri="{FF2B5EF4-FFF2-40B4-BE49-F238E27FC236}">
-                <a16:creationId xmlns:a16="http://schemas.microsoft.com/office/drawing/2014/main" id="{437AA1C1-1656-48BD-D4B2-E9A4BD5CCA82}"/>
+                <a16:creationId xmlns:a16="http://schemas.microsoft.com/office/drawing/2014/main" id="{363DC743-BB37-9F0B-7576-A498EF8CB9CE}"/>
               </a:ext>
             </a:extLst>
           </p:cNvPr>
@@ -1846,7 +1846,7 @@
           <p:cNvPr id="9" name="灯片编号占位符 8">
             <a:extLst>
               <a:ext uri="{FF2B5EF4-FFF2-40B4-BE49-F238E27FC236}">
-                <a16:creationId xmlns:a16="http://schemas.microsoft.com/office/drawing/2014/main" id="{AA7FA920-E268-84E5-5771-9BA28F452DE6}"/>
+                <a16:creationId xmlns:a16="http://schemas.microsoft.com/office/drawing/2014/main" id="{B6F944F3-D617-CFAC-9CEE-486C2F77AE30}"/>
               </a:ext>
             </a:extLst>
           </p:cNvPr>
@@ -1862,7 +1862,7 @@
           <a:bodyPr/>
           <a:lstStyle/>
           <a:p>
-            <a:fld id="{A54E094C-DD32-452A-98F0-E10EB2B0C766}" type="slidenum">
+            <a:fld id="{13A9B3B3-D1D9-4612-95C3-5B71159F125C}" type="slidenum">
               <a:rPr lang="zh-CN" altLang="en-US" smtClean="0"/>
               <a:t>‹#›</a:t>
             </a:fld>
@@ -1873,7 +1873,7 @@
     </p:spTree>
     <p:extLst>
       <p:ext uri="{BB962C8B-B14F-4D97-AF65-F5344CB8AC3E}">
-        <p14:creationId xmlns:p14="http://schemas.microsoft.com/office/powerpoint/2010/main" val="2081963476"/>
+        <p14:creationId xmlns:p14="http://schemas.microsoft.com/office/powerpoint/2010/main" val="2467508026"/>
       </p:ext>
     </p:extLst>
   </p:cSld>
@@ -1905,7 +1905,7 @@
           <p:cNvPr id="2" name="标题 1">
             <a:extLst>
               <a:ext uri="{FF2B5EF4-FFF2-40B4-BE49-F238E27FC236}">
-                <a16:creationId xmlns:a16="http://schemas.microsoft.com/office/drawing/2014/main" id="{F0DE5214-540F-BC26-F381-42BB8B3E4AE6}"/>
+                <a16:creationId xmlns:a16="http://schemas.microsoft.com/office/drawing/2014/main" id="{2AE52F3C-6D52-C20E-F2D2-2B1C69E312D9}"/>
               </a:ext>
             </a:extLst>
           </p:cNvPr>
@@ -1933,7 +1933,7 @@
           <p:cNvPr id="3" name="日期占位符 2">
             <a:extLst>
               <a:ext uri="{FF2B5EF4-FFF2-40B4-BE49-F238E27FC236}">
-                <a16:creationId xmlns:a16="http://schemas.microsoft.com/office/drawing/2014/main" id="{10907E53-7971-B40B-0DAA-55586B6EE009}"/>
+                <a16:creationId xmlns:a16="http://schemas.microsoft.com/office/drawing/2014/main" id="{B52BD7A9-F2CF-0E24-D4DF-CAD1A3FE3275}"/>
               </a:ext>
             </a:extLst>
           </p:cNvPr>
@@ -1949,7 +1949,7 @@
           <a:bodyPr/>
           <a:lstStyle/>
           <a:p>
-            <a:fld id="{DA21D64B-21E5-4FFF-B51B-419D4A86D30A}" type="datetimeFigureOut">
+            <a:fld id="{F83BF8B1-B25C-418D-921F-96733BCF06E8}" type="datetimeFigureOut">
               <a:rPr lang="zh-CN" altLang="en-US" smtClean="0"/>
               <a:t>2024/3/10</a:t>
             </a:fld>
@@ -1962,7 +1962,7 @@
           <p:cNvPr id="4" name="页脚占位符 3">
             <a:extLst>
               <a:ext uri="{FF2B5EF4-FFF2-40B4-BE49-F238E27FC236}">
-                <a16:creationId xmlns:a16="http://schemas.microsoft.com/office/drawing/2014/main" id="{2038FCE8-FDA5-0E7F-40C6-F51E08299677}"/>
+                <a16:creationId xmlns:a16="http://schemas.microsoft.com/office/drawing/2014/main" id="{C15F05FB-CDEC-0587-4E8A-C3567FAE8978}"/>
               </a:ext>
             </a:extLst>
           </p:cNvPr>
@@ -1987,7 +1987,7 @@
           <p:cNvPr id="5" name="灯片编号占位符 4">
             <a:extLst>
               <a:ext uri="{FF2B5EF4-FFF2-40B4-BE49-F238E27FC236}">
-                <a16:creationId xmlns:a16="http://schemas.microsoft.com/office/drawing/2014/main" id="{97A548CF-80AE-93D5-05FB-5E5C5D23B8FD}"/>
+                <a16:creationId xmlns:a16="http://schemas.microsoft.com/office/drawing/2014/main" id="{6CB48126-619C-DA96-A061-EDE1EC6D5CC6}"/>
               </a:ext>
             </a:extLst>
           </p:cNvPr>
@@ -2003,7 +2003,7 @@
           <a:bodyPr/>
           <a:lstStyle/>
           <a:p>
-            <a:fld id="{A54E094C-DD32-452A-98F0-E10EB2B0C766}" type="slidenum">
+            <a:fld id="{13A9B3B3-D1D9-4612-95C3-5B71159F125C}" type="slidenum">
               <a:rPr lang="zh-CN" altLang="en-US" smtClean="0"/>
               <a:t>‹#›</a:t>
             </a:fld>
@@ -2014,7 +2014,7 @@
     </p:spTree>
     <p:extLst>
       <p:ext uri="{BB962C8B-B14F-4D97-AF65-F5344CB8AC3E}">
-        <p14:creationId xmlns:p14="http://schemas.microsoft.com/office/powerpoint/2010/main" val="698997122"/>
+        <p14:creationId xmlns:p14="http://schemas.microsoft.com/office/powerpoint/2010/main" val="631380940"/>
       </p:ext>
     </p:extLst>
   </p:cSld>
@@ -2046,7 +2046,7 @@
           <p:cNvPr id="2" name="日期占位符 1">
             <a:extLst>
               <a:ext uri="{FF2B5EF4-FFF2-40B4-BE49-F238E27FC236}">
-                <a16:creationId xmlns:a16="http://schemas.microsoft.com/office/drawing/2014/main" id="{3115D4C7-F5C1-4B0A-B2E9-960451722A2C}"/>
+                <a16:creationId xmlns:a16="http://schemas.microsoft.com/office/drawing/2014/main" id="{B5CDD414-F797-970E-E88B-6ACA9D197C85}"/>
               </a:ext>
             </a:extLst>
           </p:cNvPr>
@@ -2062,7 +2062,7 @@
           <a:bodyPr/>
           <a:lstStyle/>
           <a:p>
-            <a:fld id="{DA21D64B-21E5-4FFF-B51B-419D4A86D30A}" type="datetimeFigureOut">
+            <a:fld id="{F83BF8B1-B25C-418D-921F-96733BCF06E8}" type="datetimeFigureOut">
               <a:rPr lang="zh-CN" altLang="en-US" smtClean="0"/>
               <a:t>2024/3/10</a:t>
             </a:fld>
@@ -2075,7 +2075,7 @@
           <p:cNvPr id="3" name="页脚占位符 2">
             <a:extLst>
               <a:ext uri="{FF2B5EF4-FFF2-40B4-BE49-F238E27FC236}">
-                <a16:creationId xmlns:a16="http://schemas.microsoft.com/office/drawing/2014/main" id="{2406597B-8553-EED5-4937-6480E79D9BEF}"/>
+                <a16:creationId xmlns:a16="http://schemas.microsoft.com/office/drawing/2014/main" id="{7CC2A53D-417B-36A3-7772-0DF1482BF3E0}"/>
               </a:ext>
             </a:extLst>
           </p:cNvPr>
@@ -2100,7 +2100,7 @@
           <p:cNvPr id="4" name="灯片编号占位符 3">
             <a:extLst>
               <a:ext uri="{FF2B5EF4-FFF2-40B4-BE49-F238E27FC236}">
-                <a16:creationId xmlns:a16="http://schemas.microsoft.com/office/drawing/2014/main" id="{9F20E3B6-ECC0-2DE8-0195-FA0C885C0132}"/>
+                <a16:creationId xmlns:a16="http://schemas.microsoft.com/office/drawing/2014/main" id="{1E8C2AB5-1590-8227-D2C6-1887F1E6E4E8}"/>
               </a:ext>
             </a:extLst>
           </p:cNvPr>
@@ -2116,7 +2116,7 @@
           <a:bodyPr/>
           <a:lstStyle/>
           <a:p>
-            <a:fld id="{A54E094C-DD32-452A-98F0-E10EB2B0C766}" type="slidenum">
+            <a:fld id="{13A9B3B3-D1D9-4612-95C3-5B71159F125C}" type="slidenum">
               <a:rPr lang="zh-CN" altLang="en-US" smtClean="0"/>
               <a:t>‹#›</a:t>
             </a:fld>
@@ -2127,7 +2127,7 @@
     </p:spTree>
     <p:extLst>
       <p:ext uri="{BB962C8B-B14F-4D97-AF65-F5344CB8AC3E}">
-        <p14:creationId xmlns:p14="http://schemas.microsoft.com/office/powerpoint/2010/main" val="2314875123"/>
+        <p14:creationId xmlns:p14="http://schemas.microsoft.com/office/powerpoint/2010/main" val="3997247123"/>
       </p:ext>
     </p:extLst>
   </p:cSld>
@@ -2159,7 +2159,7 @@
           <p:cNvPr id="2" name="标题 1">
             <a:extLst>
               <a:ext uri="{FF2B5EF4-FFF2-40B4-BE49-F238E27FC236}">
-                <a16:creationId xmlns:a16="http://schemas.microsoft.com/office/drawing/2014/main" id="{2958E6A2-6018-0434-DA9D-B282AC6E5047}"/>
+                <a16:creationId xmlns:a16="http://schemas.microsoft.com/office/drawing/2014/main" id="{E61EFB2E-2C98-B5B4-67A1-AD568409BF49}"/>
               </a:ext>
             </a:extLst>
           </p:cNvPr>
@@ -2196,7 +2196,7 @@
           <p:cNvPr id="3" name="内容占位符 2">
             <a:extLst>
               <a:ext uri="{FF2B5EF4-FFF2-40B4-BE49-F238E27FC236}">
-                <a16:creationId xmlns:a16="http://schemas.microsoft.com/office/drawing/2014/main" id="{FC0CC5EE-437B-28A0-13D0-2D45F9337AE9}"/>
+                <a16:creationId xmlns:a16="http://schemas.microsoft.com/office/drawing/2014/main" id="{0C4B3194-A9DA-7A3D-6121-8B318FD1AD5C}"/>
               </a:ext>
             </a:extLst>
           </p:cNvPr>
@@ -2286,7 +2286,7 @@
           <p:cNvPr id="4" name="文本占位符 3">
             <a:extLst>
               <a:ext uri="{FF2B5EF4-FFF2-40B4-BE49-F238E27FC236}">
-                <a16:creationId xmlns:a16="http://schemas.microsoft.com/office/drawing/2014/main" id="{322A33E6-5933-A817-7B59-D24E4B988CC3}"/>
+                <a16:creationId xmlns:a16="http://schemas.microsoft.com/office/drawing/2014/main" id="{8FAEDFEB-CD4A-CB7B-F76E-B3DB2EDCA747}"/>
               </a:ext>
             </a:extLst>
           </p:cNvPr>
@@ -2357,7 +2357,7 @@
           <p:cNvPr id="5" name="日期占位符 4">
             <a:extLst>
               <a:ext uri="{FF2B5EF4-FFF2-40B4-BE49-F238E27FC236}">
-                <a16:creationId xmlns:a16="http://schemas.microsoft.com/office/drawing/2014/main" id="{6436C3E8-0ACD-CEEF-2A7B-495B940F188F}"/>
+                <a16:creationId xmlns:a16="http://schemas.microsoft.com/office/drawing/2014/main" id="{48C1EEB2-E19F-C391-83E9-EC4FD7992FEE}"/>
               </a:ext>
             </a:extLst>
           </p:cNvPr>
@@ -2373,7 +2373,7 @@
           <a:bodyPr/>
           <a:lstStyle/>
           <a:p>
-            <a:fld id="{DA21D64B-21E5-4FFF-B51B-419D4A86D30A}" type="datetimeFigureOut">
+            <a:fld id="{F83BF8B1-B25C-418D-921F-96733BCF06E8}" type="datetimeFigureOut">
               <a:rPr lang="zh-CN" altLang="en-US" smtClean="0"/>
               <a:t>2024/3/10</a:t>
             </a:fld>
@@ -2386,7 +2386,7 @@
           <p:cNvPr id="6" name="页脚占位符 5">
             <a:extLst>
               <a:ext uri="{FF2B5EF4-FFF2-40B4-BE49-F238E27FC236}">
-                <a16:creationId xmlns:a16="http://schemas.microsoft.com/office/drawing/2014/main" id="{F9A6C94F-14F1-7580-0551-35D5C1346288}"/>
+                <a16:creationId xmlns:a16="http://schemas.microsoft.com/office/drawing/2014/main" id="{0A3B6981-C475-AC62-D991-39F2E6C4E62F}"/>
               </a:ext>
             </a:extLst>
           </p:cNvPr>
@@ -2411,7 +2411,7 @@
           <p:cNvPr id="7" name="灯片编号占位符 6">
             <a:extLst>
               <a:ext uri="{FF2B5EF4-FFF2-40B4-BE49-F238E27FC236}">
-                <a16:creationId xmlns:a16="http://schemas.microsoft.com/office/drawing/2014/main" id="{735ED93F-B931-7A08-F10D-6E2172E80972}"/>
+                <a16:creationId xmlns:a16="http://schemas.microsoft.com/office/drawing/2014/main" id="{530690ED-DE98-2E17-0D5C-1BC7339A1038}"/>
               </a:ext>
             </a:extLst>
           </p:cNvPr>
@@ -2427,7 +2427,7 @@
           <a:bodyPr/>
           <a:lstStyle/>
           <a:p>
-            <a:fld id="{A54E094C-DD32-452A-98F0-E10EB2B0C766}" type="slidenum">
+            <a:fld id="{13A9B3B3-D1D9-4612-95C3-5B71159F125C}" type="slidenum">
               <a:rPr lang="zh-CN" altLang="en-US" smtClean="0"/>
               <a:t>‹#›</a:t>
             </a:fld>
@@ -2438,7 +2438,7 @@
     </p:spTree>
     <p:extLst>
       <p:ext uri="{BB962C8B-B14F-4D97-AF65-F5344CB8AC3E}">
-        <p14:creationId xmlns:p14="http://schemas.microsoft.com/office/powerpoint/2010/main" val="960637782"/>
+        <p14:creationId xmlns:p14="http://schemas.microsoft.com/office/powerpoint/2010/main" val="539029660"/>
       </p:ext>
     </p:extLst>
   </p:cSld>
@@ -2470,7 +2470,7 @@
           <p:cNvPr id="2" name="标题 1">
             <a:extLst>
               <a:ext uri="{FF2B5EF4-FFF2-40B4-BE49-F238E27FC236}">
-                <a16:creationId xmlns:a16="http://schemas.microsoft.com/office/drawing/2014/main" id="{21134CA4-BD5E-1859-B782-ADA02558A3BB}"/>
+                <a16:creationId xmlns:a16="http://schemas.microsoft.com/office/drawing/2014/main" id="{AECE14A2-A168-4C2D-C090-5D26E2500F69}"/>
               </a:ext>
             </a:extLst>
           </p:cNvPr>
@@ -2507,7 +2507,7 @@
           <p:cNvPr id="3" name="图片占位符 2">
             <a:extLst>
               <a:ext uri="{FF2B5EF4-FFF2-40B4-BE49-F238E27FC236}">
-                <a16:creationId xmlns:a16="http://schemas.microsoft.com/office/drawing/2014/main" id="{85986E83-5D54-6993-7AB6-CBED16F4BB96}"/>
+                <a16:creationId xmlns:a16="http://schemas.microsoft.com/office/drawing/2014/main" id="{D9664CD8-81DA-66E6-C0F0-41318E64C9F1}"/>
               </a:ext>
             </a:extLst>
           </p:cNvPr>
@@ -2574,7 +2574,7 @@
           <p:cNvPr id="4" name="文本占位符 3">
             <a:extLst>
               <a:ext uri="{FF2B5EF4-FFF2-40B4-BE49-F238E27FC236}">
-                <a16:creationId xmlns:a16="http://schemas.microsoft.com/office/drawing/2014/main" id="{BBBF6BF6-4B5B-C197-D146-E0C727D5C1D8}"/>
+                <a16:creationId xmlns:a16="http://schemas.microsoft.com/office/drawing/2014/main" id="{71D9A5DC-E7BF-9A0B-0496-2A531D773CF6}"/>
               </a:ext>
             </a:extLst>
           </p:cNvPr>
@@ -2645,7 +2645,7 @@
           <p:cNvPr id="5" name="日期占位符 4">
             <a:extLst>
               <a:ext uri="{FF2B5EF4-FFF2-40B4-BE49-F238E27FC236}">
-                <a16:creationId xmlns:a16="http://schemas.microsoft.com/office/drawing/2014/main" id="{1915EAC6-DA33-AD39-3039-5EBFCE6E3E7A}"/>
+                <a16:creationId xmlns:a16="http://schemas.microsoft.com/office/drawing/2014/main" id="{A5F7AAC1-4DCC-FD03-4CE8-19AFAAFD47FB}"/>
               </a:ext>
             </a:extLst>
           </p:cNvPr>
@@ -2661,7 +2661,7 @@
           <a:bodyPr/>
           <a:lstStyle/>
           <a:p>
-            <a:fld id="{DA21D64B-21E5-4FFF-B51B-419D4A86D30A}" type="datetimeFigureOut">
+            <a:fld id="{F83BF8B1-B25C-418D-921F-96733BCF06E8}" type="datetimeFigureOut">
               <a:rPr lang="zh-CN" altLang="en-US" smtClean="0"/>
               <a:t>2024/3/10</a:t>
             </a:fld>
@@ -2674,7 +2674,7 @@
           <p:cNvPr id="6" name="页脚占位符 5">
             <a:extLst>
               <a:ext uri="{FF2B5EF4-FFF2-40B4-BE49-F238E27FC236}">
-                <a16:creationId xmlns:a16="http://schemas.microsoft.com/office/drawing/2014/main" id="{9F0EF2EF-0821-CF68-5689-C4D35F247362}"/>
+                <a16:creationId xmlns:a16="http://schemas.microsoft.com/office/drawing/2014/main" id="{3717E16F-0310-82D9-C905-31CF969C55EA}"/>
               </a:ext>
             </a:extLst>
           </p:cNvPr>
@@ -2699,7 +2699,7 @@
           <p:cNvPr id="7" name="灯片编号占位符 6">
             <a:extLst>
               <a:ext uri="{FF2B5EF4-FFF2-40B4-BE49-F238E27FC236}">
-                <a16:creationId xmlns:a16="http://schemas.microsoft.com/office/drawing/2014/main" id="{6AA66B62-A9EE-3ABC-1F61-935B22361DB5}"/>
+                <a16:creationId xmlns:a16="http://schemas.microsoft.com/office/drawing/2014/main" id="{653DC7BB-9118-97A6-2506-458CE6F46814}"/>
               </a:ext>
             </a:extLst>
           </p:cNvPr>
@@ -2715,7 +2715,7 @@
           <a:bodyPr/>
           <a:lstStyle/>
           <a:p>
-            <a:fld id="{A54E094C-DD32-452A-98F0-E10EB2B0C766}" type="slidenum">
+            <a:fld id="{13A9B3B3-D1D9-4612-95C3-5B71159F125C}" type="slidenum">
               <a:rPr lang="zh-CN" altLang="en-US" smtClean="0"/>
               <a:t>‹#›</a:t>
             </a:fld>
@@ -2726,7 +2726,7 @@
     </p:spTree>
     <p:extLst>
       <p:ext uri="{BB962C8B-B14F-4D97-AF65-F5344CB8AC3E}">
-        <p14:creationId xmlns:p14="http://schemas.microsoft.com/office/powerpoint/2010/main" val="3362889849"/>
+        <p14:creationId xmlns:p14="http://schemas.microsoft.com/office/powerpoint/2010/main" val="470450466"/>
       </p:ext>
     </p:extLst>
   </p:cSld>
@@ -2763,7 +2763,7 @@
           <p:cNvPr id="2" name="标题占位符 1">
             <a:extLst>
               <a:ext uri="{FF2B5EF4-FFF2-40B4-BE49-F238E27FC236}">
-                <a16:creationId xmlns:a16="http://schemas.microsoft.com/office/drawing/2014/main" id="{BE6509D3-D891-5945-8F6D-04E1A2219407}"/>
+                <a16:creationId xmlns:a16="http://schemas.microsoft.com/office/drawing/2014/main" id="{6612FD7E-F564-6A1D-D802-AC7E49D071BA}"/>
               </a:ext>
             </a:extLst>
           </p:cNvPr>
@@ -2801,7 +2801,7 @@
           <p:cNvPr id="3" name="文本占位符 2">
             <a:extLst>
               <a:ext uri="{FF2B5EF4-FFF2-40B4-BE49-F238E27FC236}">
-                <a16:creationId xmlns:a16="http://schemas.microsoft.com/office/drawing/2014/main" id="{47AD1EFF-1214-EDC9-7534-087A44FC5CDF}"/>
+                <a16:creationId xmlns:a16="http://schemas.microsoft.com/office/drawing/2014/main" id="{661F321D-C0A2-E37C-D002-00FFB162B3F8}"/>
               </a:ext>
             </a:extLst>
           </p:cNvPr>
@@ -2868,7 +2868,7 @@
           <p:cNvPr id="4" name="日期占位符 3">
             <a:extLst>
               <a:ext uri="{FF2B5EF4-FFF2-40B4-BE49-F238E27FC236}">
-                <a16:creationId xmlns:a16="http://schemas.microsoft.com/office/drawing/2014/main" id="{909E539F-97C5-1004-083B-80C024441503}"/>
+                <a16:creationId xmlns:a16="http://schemas.microsoft.com/office/drawing/2014/main" id="{A3AB4658-AA32-BFF6-6D0E-ACA100050187}"/>
               </a:ext>
             </a:extLst>
           </p:cNvPr>
@@ -2902,7 +2902,7 @@
             </a:lvl1pPr>
           </a:lstStyle>
           <a:p>
-            <a:fld id="{DA21D64B-21E5-4FFF-B51B-419D4A86D30A}" type="datetimeFigureOut">
+            <a:fld id="{F83BF8B1-B25C-418D-921F-96733BCF06E8}" type="datetimeFigureOut">
               <a:rPr lang="zh-CN" altLang="en-US" smtClean="0"/>
               <a:t>2024/3/10</a:t>
             </a:fld>
@@ -2915,7 +2915,7 @@
           <p:cNvPr id="5" name="页脚占位符 4">
             <a:extLst>
               <a:ext uri="{FF2B5EF4-FFF2-40B4-BE49-F238E27FC236}">
-                <a16:creationId xmlns:a16="http://schemas.microsoft.com/office/drawing/2014/main" id="{2CDE341A-5630-8955-7496-FCFC1FA9EF08}"/>
+                <a16:creationId xmlns:a16="http://schemas.microsoft.com/office/drawing/2014/main" id="{75545179-3010-F498-54B0-64FF3DB94EB5}"/>
               </a:ext>
             </a:extLst>
           </p:cNvPr>
@@ -2958,7 +2958,7 @@
           <p:cNvPr id="6" name="灯片编号占位符 5">
             <a:extLst>
               <a:ext uri="{FF2B5EF4-FFF2-40B4-BE49-F238E27FC236}">
-                <a16:creationId xmlns:a16="http://schemas.microsoft.com/office/drawing/2014/main" id="{BC22A491-1A37-01C8-716D-BC1A23CD3BD9}"/>
+                <a16:creationId xmlns:a16="http://schemas.microsoft.com/office/drawing/2014/main" id="{AB44FB39-DAFB-F42E-0D7B-3CBE98BAF828}"/>
               </a:ext>
             </a:extLst>
           </p:cNvPr>
@@ -2992,7 +2992,7 @@
             </a:lvl1pPr>
           </a:lstStyle>
           <a:p>
-            <a:fld id="{A54E094C-DD32-452A-98F0-E10EB2B0C766}" type="slidenum">
+            <a:fld id="{13A9B3B3-D1D9-4612-95C3-5B71159F125C}" type="slidenum">
               <a:rPr lang="zh-CN" altLang="en-US" smtClean="0"/>
               <a:t>‹#›</a:t>
             </a:fld>
@@ -3003,7 +3003,7 @@
     </p:spTree>
     <p:extLst>
       <p:ext uri="{BB962C8B-B14F-4D97-AF65-F5344CB8AC3E}">
-        <p14:creationId xmlns:p14="http://schemas.microsoft.com/office/powerpoint/2010/main" val="161118418"/>
+        <p14:creationId xmlns:p14="http://schemas.microsoft.com/office/powerpoint/2010/main" val="465163561"/>
       </p:ext>
     </p:extLst>
   </p:cSld>
@@ -3323,7 +3323,7 @@
       </p:grpSpPr>
       <p:pic>
         <p:nvPicPr>
-          <p:cNvPr id="714754" name="Picture 2" descr="697"/>
+          <p:cNvPr id="715778" name="Picture 2" descr="698"/>
           <p:cNvPicPr>
             <a:picLocks noChangeAspect="1" noChangeArrowheads="1"/>
           </p:cNvPicPr>
@@ -3345,7 +3345,7 @@
         <p:spPr bwMode="auto">
           <a:xfrm>
             <a:off x="1524000" y="0"/>
-            <a:ext cx="9144000" cy="6859588"/>
+            <a:ext cx="9144000" cy="6858000"/>
           </a:xfrm>
           <a:prstGeom prst="rect">
             <a:avLst/>
